--- a/segunda aula/php.pptx
+++ b/segunda aula/php.pptx
@@ -265,7 +265,7 @@
           <a:p>
             <a:fld id="{5ACA088E-06F0-4901-BED1-A32ACDE83010}" type="datetimeFigureOut">
               <a:rPr lang="pt-BR" smtClean="0"/>
-              <a:t>06/05/2016</a:t>
+              <a:t>07/05/2016</a:t>
             </a:fld>
             <a:endParaRPr lang="pt-BR"/>
           </a:p>
@@ -435,7 +435,7 @@
           <a:p>
             <a:fld id="{5ACA088E-06F0-4901-BED1-A32ACDE83010}" type="datetimeFigureOut">
               <a:rPr lang="pt-BR" smtClean="0"/>
-              <a:t>06/05/2016</a:t>
+              <a:t>07/05/2016</a:t>
             </a:fld>
             <a:endParaRPr lang="pt-BR"/>
           </a:p>
@@ -615,7 +615,7 @@
           <a:p>
             <a:fld id="{5ACA088E-06F0-4901-BED1-A32ACDE83010}" type="datetimeFigureOut">
               <a:rPr lang="pt-BR" smtClean="0"/>
-              <a:t>06/05/2016</a:t>
+              <a:t>07/05/2016</a:t>
             </a:fld>
             <a:endParaRPr lang="pt-BR"/>
           </a:p>
@@ -785,7 +785,7 @@
           <a:p>
             <a:fld id="{5ACA088E-06F0-4901-BED1-A32ACDE83010}" type="datetimeFigureOut">
               <a:rPr lang="pt-BR" smtClean="0"/>
-              <a:t>06/05/2016</a:t>
+              <a:t>07/05/2016</a:t>
             </a:fld>
             <a:endParaRPr lang="pt-BR"/>
           </a:p>
@@ -1029,7 +1029,7 @@
           <a:p>
             <a:fld id="{5ACA088E-06F0-4901-BED1-A32ACDE83010}" type="datetimeFigureOut">
               <a:rPr lang="pt-BR" smtClean="0"/>
-              <a:t>06/05/2016</a:t>
+              <a:t>07/05/2016</a:t>
             </a:fld>
             <a:endParaRPr lang="pt-BR"/>
           </a:p>
@@ -1261,7 +1261,7 @@
           <a:p>
             <a:fld id="{5ACA088E-06F0-4901-BED1-A32ACDE83010}" type="datetimeFigureOut">
               <a:rPr lang="pt-BR" smtClean="0"/>
-              <a:t>06/05/2016</a:t>
+              <a:t>07/05/2016</a:t>
             </a:fld>
             <a:endParaRPr lang="pt-BR"/>
           </a:p>
@@ -1628,7 +1628,7 @@
           <a:p>
             <a:fld id="{5ACA088E-06F0-4901-BED1-A32ACDE83010}" type="datetimeFigureOut">
               <a:rPr lang="pt-BR" smtClean="0"/>
-              <a:t>06/05/2016</a:t>
+              <a:t>07/05/2016</a:t>
             </a:fld>
             <a:endParaRPr lang="pt-BR"/>
           </a:p>
@@ -1746,7 +1746,7 @@
           <a:p>
             <a:fld id="{5ACA088E-06F0-4901-BED1-A32ACDE83010}" type="datetimeFigureOut">
               <a:rPr lang="pt-BR" smtClean="0"/>
-              <a:t>06/05/2016</a:t>
+              <a:t>07/05/2016</a:t>
             </a:fld>
             <a:endParaRPr lang="pt-BR"/>
           </a:p>
@@ -1841,7 +1841,7 @@
           <a:p>
             <a:fld id="{5ACA088E-06F0-4901-BED1-A32ACDE83010}" type="datetimeFigureOut">
               <a:rPr lang="pt-BR" smtClean="0"/>
-              <a:t>06/05/2016</a:t>
+              <a:t>07/05/2016</a:t>
             </a:fld>
             <a:endParaRPr lang="pt-BR"/>
           </a:p>
@@ -2118,7 +2118,7 @@
           <a:p>
             <a:fld id="{5ACA088E-06F0-4901-BED1-A32ACDE83010}" type="datetimeFigureOut">
               <a:rPr lang="pt-BR" smtClean="0"/>
-              <a:t>06/05/2016</a:t>
+              <a:t>07/05/2016</a:t>
             </a:fld>
             <a:endParaRPr lang="pt-BR"/>
           </a:p>
@@ -2375,7 +2375,7 @@
           <a:p>
             <a:fld id="{5ACA088E-06F0-4901-BED1-A32ACDE83010}" type="datetimeFigureOut">
               <a:rPr lang="pt-BR" smtClean="0"/>
-              <a:t>06/05/2016</a:t>
+              <a:t>07/05/2016</a:t>
             </a:fld>
             <a:endParaRPr lang="pt-BR"/>
           </a:p>
@@ -2597,7 +2597,7 @@
           <a:p>
             <a:fld id="{5ACA088E-06F0-4901-BED1-A32ACDE83010}" type="datetimeFigureOut">
               <a:rPr lang="pt-BR" smtClean="0"/>
-              <a:t>06/05/2016</a:t>
+              <a:t>07/05/2016</a:t>
             </a:fld>
             <a:endParaRPr lang="pt-BR"/>
           </a:p>
@@ -3004,25 +3004,6 @@
       </p:grpSpPr>
       <p:sp>
         <p:nvSpPr>
-          <p:cNvPr id="2" name="Título 1"/>
-          <p:cNvSpPr>
-            <a:spLocks noGrp="1"/>
-          </p:cNvSpPr>
-          <p:nvPr>
-            <p:ph type="ctrTitle"/>
-          </p:nvPr>
-        </p:nvSpPr>
-        <p:spPr/>
-        <p:txBody>
-          <a:bodyPr/>
-          <a:lstStyle/>
-          <a:p>
-            <a:endParaRPr lang="pt-BR" dirty="0"/>
-          </a:p>
-        </p:txBody>
-      </p:sp>
-      <p:sp>
-        <p:nvSpPr>
           <p:cNvPr id="3" name="Subtítulo 2"/>
           <p:cNvSpPr>
             <a:spLocks noGrp="1"/>
@@ -3782,6 +3763,13 @@
   <p:clrMapOvr>
     <a:masterClrMapping/>
   </p:clrMapOvr>
+  <p:timing>
+    <p:tnLst>
+      <p:par>
+        <p:cTn id="1" dur="indefinite" restart="never" nodeType="tmRoot"/>
+      </p:par>
+    </p:tnLst>
+  </p:timing>
 </p:sld>
 </file>
 
@@ -4753,7 +4741,6 @@
               <a:rPr lang="pt-BR" dirty="0"/>
               <a:t>Calcule a média aritmética das 3 notas de um aluno e mostre, além do valor da média, uma mensagem de "Aprovado", caso a média seja igual ou superior a 6, ou a mensagem "reprovado", caso contrário.</a:t>
             </a:r>
-            <a:endParaRPr lang="pt-BR" dirty="0"/>
           </a:p>
         </p:txBody>
       </p:sp>
@@ -4767,6 +4754,13 @@
   <p:clrMapOvr>
     <a:masterClrMapping/>
   </p:clrMapOvr>
+  <p:timing>
+    <p:tnLst>
+      <p:par>
+        <p:cTn id="1" dur="indefinite" restart="never" nodeType="tmRoot"/>
+      </p:par>
+    </p:tnLst>
+  </p:timing>
 </p:sld>
 </file>
 
@@ -4831,7 +4825,6 @@
               <a:rPr lang="pt-BR" dirty="0"/>
               <a:t>Escreva um algoritmo que leia 3 números inteiros e mostre o maior deles.</a:t>
             </a:r>
-            <a:endParaRPr lang="pt-BR" dirty="0"/>
           </a:p>
         </p:txBody>
       </p:sp>
@@ -4845,6 +4838,13 @@
   <p:clrMapOvr>
     <a:masterClrMapping/>
   </p:clrMapOvr>
+  <p:timing>
+    <p:tnLst>
+      <p:par>
+        <p:cTn id="1" dur="indefinite" restart="never" nodeType="tmRoot"/>
+      </p:par>
+    </p:tnLst>
+  </p:timing>
 </p:sld>
 </file>
 
@@ -5048,6 +5048,13 @@
   <p:clrMapOvr>
     <a:masterClrMapping/>
   </p:clrMapOvr>
+  <p:timing>
+    <p:tnLst>
+      <p:par>
+        <p:cTn id="1" dur="indefinite" restart="never" nodeType="tmRoot"/>
+      </p:par>
+    </p:tnLst>
+  </p:timing>
 </p:sld>
 </file>
 
